--- a/doc/Presentation of ChatGPT.pptx
+++ b/doc/Presentation of ChatGPT.pptx
@@ -223,7 +223,7 @@
           <a:p>
             <a:fld id="{BB37BDEB-D08A-4BCC-82C3-65677B6346BB}" type="datetimeFigureOut">
               <a:rPr lang="en-US" smtClean="0"/>
-              <a:t>3/2/2025</a:t>
+              <a:t>03/03/2025</a:t>
             </a:fld>
             <a:endParaRPr lang="en-US"/>
           </a:p>
@@ -400,7 +400,7 @@
           <a:p>
             <a:fld id="{D64182BB-4E27-4552-8EE4-33C8EF731305}" type="datetimeFigureOut">
               <a:rPr lang="en-US" smtClean="0"/>
-              <a:t>3/2/2025</a:t>
+              <a:t>03/03/2025</a:t>
             </a:fld>
             <a:endParaRPr lang="en-US"/>
           </a:p>
@@ -3492,6 +3492,14 @@
                 <a:spcPts val="800"/>
               </a:spcAft>
             </a:pPr>
+            <a:r>
+              <a:rPr lang="th-TH" sz="1400" dirty="0">
+                <a:effectLst/>
+                <a:ea typeface="Times New Roman" panose="02020603050405020304" pitchFamily="18" charset="0"/>
+                <a:cs typeface="Angsana New" panose="02020603050405020304" pitchFamily="18" charset="-34"/>
+              </a:rPr>
+              <a:t/>
+            </a:r>
             <a:br>
               <a:rPr lang="th-TH" sz="1400" dirty="0">
                 <a:effectLst/>
@@ -6782,6 +6790,14 @@
                 <a:spcPts val="800"/>
               </a:spcAft>
             </a:pPr>
+            <a:r>
+              <a:rPr lang="th-TH" sz="1400" dirty="0">
+                <a:effectLst/>
+                <a:ea typeface="Times New Roman" panose="02020603050405020304" pitchFamily="18" charset="0"/>
+                <a:cs typeface="Angsana New" panose="02020603050405020304" pitchFamily="18" charset="-34"/>
+              </a:rPr>
+              <a:t/>
+            </a:r>
             <a:br>
               <a:rPr lang="th-TH" sz="1400" dirty="0">
                 <a:effectLst/>
@@ -13539,7 +13555,7 @@
           <a:p>
             <a:fld id="{ED291B17-9318-49DB-B28B-6E5994AE9581}" type="datetime1">
               <a:rPr lang="en-US" smtClean="0"/>
-              <a:t>3/2/2025</a:t>
+              <a:t>03/03/2025</a:t>
             </a:fld>
             <a:endParaRPr lang="en-US" dirty="0"/>
           </a:p>
@@ -13698,7 +13714,7 @@
           <a:p>
             <a:fld id="{4EDE50D6-574B-40AF-946F-D52A04ADE379}" type="datetime1">
               <a:rPr lang="en-US" smtClean="0"/>
-              <a:t>3/2/2025</a:t>
+              <a:t>03/03/2025</a:t>
             </a:fld>
             <a:endParaRPr lang="en-US" dirty="0"/>
           </a:p>
@@ -14110,7 +14126,7 @@
           <a:p>
             <a:fld id="{4EDE50D6-574B-40AF-946F-D52A04ADE379}" type="datetime1">
               <a:rPr lang="en-US" smtClean="0"/>
-              <a:t>3/2/2025</a:t>
+              <a:t>03/03/2025</a:t>
             </a:fld>
             <a:endParaRPr lang="en-US" dirty="0"/>
           </a:p>
@@ -14586,7 +14602,7 @@
           <a:p>
             <a:fld id="{4EDE50D6-574B-40AF-946F-D52A04ADE379}" type="datetime1">
               <a:rPr lang="en-US" smtClean="0"/>
-              <a:t>3/2/2025</a:t>
+              <a:t>03/03/2025</a:t>
             </a:fld>
             <a:endParaRPr lang="en-US" dirty="0"/>
           </a:p>
@@ -15035,7 +15051,7 @@
           <a:p>
             <a:fld id="{4EDE50D6-574B-40AF-946F-D52A04ADE379}" type="datetime1">
               <a:rPr lang="en-US" smtClean="0"/>
-              <a:t>3/2/2025</a:t>
+              <a:t>03/03/2025</a:t>
             </a:fld>
             <a:endParaRPr lang="en-US" dirty="0"/>
           </a:p>
@@ -15267,7 +15283,7 @@
           <a:p>
             <a:fld id="{4EDE50D6-574B-40AF-946F-D52A04ADE379}" type="datetime1">
               <a:rPr lang="en-US" noProof="0" smtClean="0"/>
-              <a:t>3/2/2025</a:t>
+              <a:t>03/03/2025</a:t>
             </a:fld>
             <a:endParaRPr lang="en-US" noProof="0"/>
           </a:p>
@@ -15965,7 +15981,7 @@
           <a:p>
             <a:fld id="{4EDE50D6-574B-40AF-946F-D52A04ADE379}" type="datetime1">
               <a:rPr lang="en-US" noProof="0" smtClean="0"/>
-              <a:t>3/2/2025</a:t>
+              <a:t>03/03/2025</a:t>
             </a:fld>
             <a:endParaRPr lang="en-US" noProof="0"/>
           </a:p>
@@ -16322,7 +16338,7 @@
           <a:p>
             <a:fld id="{4EDE50D6-574B-40AF-946F-D52A04ADE379}" type="datetime1">
               <a:rPr lang="en-US" noProof="0" smtClean="0"/>
-              <a:t>3/2/2025</a:t>
+              <a:t>03/03/2025</a:t>
             </a:fld>
             <a:endParaRPr lang="en-US" noProof="0"/>
           </a:p>
@@ -16884,7 +16900,7 @@
           <a:p>
             <a:fld id="{78DD82B9-B8EE-4375-B6FF-88FA6ABB15D9}" type="datetime1">
               <a:rPr lang="en-US" smtClean="0"/>
-              <a:t>3/2/2025</a:t>
+              <a:t>03/03/2025</a:t>
             </a:fld>
             <a:endParaRPr lang="en-US" dirty="0"/>
           </a:p>
@@ -17232,7 +17248,7 @@
           <a:p>
             <a:fld id="{78DD82B9-B8EE-4375-B6FF-88FA6ABB15D9}" type="datetime1">
               <a:rPr lang="en-US" smtClean="0"/>
-              <a:t>3/2/2025</a:t>
+              <a:t>03/03/2025</a:t>
             </a:fld>
             <a:endParaRPr lang="en-US" dirty="0"/>
           </a:p>
@@ -17635,7 +17651,7 @@
           <a:p>
             <a:fld id="{B2497495-0637-405E-AE64-5CC7506D51F5}" type="datetime1">
               <a:rPr lang="en-US" smtClean="0"/>
-              <a:t>3/2/2025</a:t>
+              <a:t>03/03/2025</a:t>
             </a:fld>
             <a:endParaRPr lang="en-US" dirty="0"/>
           </a:p>
@@ -17928,7 +17944,7 @@
           <a:p>
             <a:fld id="{7BFFD690-9426-415D-8B65-26881E07B2D4}" type="datetime1">
               <a:rPr lang="en-US" smtClean="0"/>
-              <a:t>3/2/2025</a:t>
+              <a:t>03/03/2025</a:t>
             </a:fld>
             <a:endParaRPr lang="en-US" dirty="0"/>
           </a:p>
@@ -18422,7 +18438,7 @@
           <a:p>
             <a:fld id="{04C4989A-474C-40DE-95B9-011C28B71673}" type="datetime1">
               <a:rPr lang="en-US" smtClean="0"/>
-              <a:t>3/2/2025</a:t>
+              <a:t>03/03/2025</a:t>
             </a:fld>
             <a:endParaRPr lang="en-US" dirty="0"/>
           </a:p>
@@ -18726,7 +18742,7 @@
           <a:p>
             <a:fld id="{5DB4ED54-5B5E-4A04-93D3-5772E3CE3818}" type="datetime1">
               <a:rPr lang="en-US" smtClean="0"/>
-              <a:t>3/2/2025</a:t>
+              <a:t>03/03/2025</a:t>
             </a:fld>
             <a:endParaRPr lang="en-US" dirty="0"/>
           </a:p>
@@ -18913,7 +18929,7 @@
           <a:p>
             <a:fld id="{4EDE50D6-574B-40AF-946F-D52A04ADE379}" type="datetime1">
               <a:rPr lang="en-US" smtClean="0"/>
-              <a:t>3/2/2025</a:t>
+              <a:t>03/03/2025</a:t>
             </a:fld>
             <a:endParaRPr lang="en-US" dirty="0"/>
           </a:p>
@@ -19125,7 +19141,7 @@
           <a:p>
             <a:fld id="{4EDE50D6-574B-40AF-946F-D52A04ADE379}" type="datetime1">
               <a:rPr lang="en-US" smtClean="0"/>
-              <a:t>3/2/2025</a:t>
+              <a:t>03/03/2025</a:t>
             </a:fld>
             <a:endParaRPr lang="en-US" dirty="0"/>
           </a:p>
@@ -19557,7 +19573,7 @@
           <a:p>
             <a:fld id="{ED291B17-9318-49DB-B28B-6E5994AE9581}" type="datetime1">
               <a:rPr lang="en-US" smtClean="0"/>
-              <a:t>3/2/2025</a:t>
+              <a:t>03/03/2025</a:t>
             </a:fld>
             <a:endParaRPr lang="en-US" dirty="0"/>
           </a:p>
@@ -20128,7 +20144,11 @@
           <a:p>
             <a:r>
               <a:rPr lang="en-US" sz="2400" dirty="0"/>
-              <a:t>2 </a:t>
+              <a:t>3</a:t>
+            </a:r>
+            <a:r>
+              <a:rPr lang="en-US" sz="2400" dirty="0" smtClean="0"/>
+              <a:t> </a:t>
             </a:r>
             <a:r>
               <a:rPr lang="th-TH" sz="2400" dirty="0"/>
@@ -22489,15 +22509,6 @@
 </file>
 
 <file path=customXml/item2.xml><?xml version="1.0" encoding="utf-8"?>
-<p:properties xmlns:p="http://schemas.microsoft.com/office/2006/metadata/properties" xmlns:xsi="http://www.w3.org/2001/XMLSchema-instance" xmlns:pc="http://schemas.microsoft.com/office/infopath/2007/PartnerControls">
-  <documentManagement>
-    <Status xmlns="71af3243-3dd4-4a8d-8c0d-dd76da1f02a5">Not started</Status>
-    <MediaServiceKeyPoints xmlns="71af3243-3dd4-4a8d-8c0d-dd76da1f02a5" xsi:nil="true"/>
-  </documentManagement>
-</p:properties>
-</file>
-
-<file path=customXml/item3.xml><?xml version="1.0" encoding="utf-8"?>
 <ct:contentTypeSchema xmlns:ct="http://schemas.microsoft.com/office/2006/metadata/contentType" xmlns:ma="http://schemas.microsoft.com/office/2006/metadata/properties/metaAttributes" ct:_="" ma:_="" ma:contentTypeName="Document" ma:contentTypeID="0x01010079F111ED35F8CC479449609E8A0923A6" ma:contentTypeVersion="12" ma:contentTypeDescription="Create a new document." ma:contentTypeScope="" ma:versionID="fa6e671f1cd7e4d96ff9652be322dd5e">
   <xsd:schema xmlns:xsd="http://www.w3.org/2001/XMLSchema" xmlns:xs="http://www.w3.org/2001/XMLSchema" xmlns:p="http://schemas.microsoft.com/office/2006/metadata/properties" xmlns:ns2="71af3243-3dd4-4a8d-8c0d-dd76da1f02a5" xmlns:ns3="16c05727-aa75-4e4a-9b5f-8a80a1165891" targetNamespace="http://schemas.microsoft.com/office/2006/metadata/properties" ma:root="true" ma:fieldsID="4e2496f70b101db0b8013f30a071bbf7" ns2:_="" ns3:_="">
     <xsd:import namespace="71af3243-3dd4-4a8d-8c0d-dd76da1f02a5"/>
@@ -22718,6 +22729,15 @@
 </ct:contentTypeSchema>
 </file>
 
+<file path=customXml/item3.xml><?xml version="1.0" encoding="utf-8"?>
+<p:properties xmlns:p="http://schemas.microsoft.com/office/2006/metadata/properties" xmlns:xsi="http://www.w3.org/2001/XMLSchema-instance" xmlns:pc="http://schemas.microsoft.com/office/infopath/2007/PartnerControls">
+  <documentManagement>
+    <Status xmlns="71af3243-3dd4-4a8d-8c0d-dd76da1f02a5">Not started</Status>
+    <MediaServiceKeyPoints xmlns="71af3243-3dd4-4a8d-8c0d-dd76da1f02a5" xsi:nil="true"/>
+  </documentManagement>
+</p:properties>
+</file>
+
 <file path=customXml/itemProps1.xml><?xml version="1.0" encoding="utf-8"?>
 <ds:datastoreItem xmlns:ds="http://schemas.openxmlformats.org/officeDocument/2006/customXml" ds:itemID="{8435A0B9-5F49-415F-9BEE-591FDACE98D1}">
   <ds:schemaRefs>
@@ -22727,23 +22747,6 @@
 </file>
 
 <file path=customXml/itemProps2.xml><?xml version="1.0" encoding="utf-8"?>
-<ds:datastoreItem xmlns:ds="http://schemas.openxmlformats.org/officeDocument/2006/customXml" ds:itemID="{ADC43B05-D266-4257-98DE-FF9D8CEDAE76}">
-  <ds:schemaRefs>
-    <ds:schemaRef ds:uri="http://schemas.microsoft.com/office/2006/documentManagement/types"/>
-    <ds:schemaRef ds:uri="71af3243-3dd4-4a8d-8c0d-dd76da1f02a5"/>
-    <ds:schemaRef ds:uri="http://purl.org/dc/dcmitype/"/>
-    <ds:schemaRef ds:uri="16c05727-aa75-4e4a-9b5f-8a80a1165891"/>
-    <ds:schemaRef ds:uri="http://purl.org/dc/terms/"/>
-    <ds:schemaRef ds:uri="http://schemas.microsoft.com/office/2006/metadata/properties"/>
-    <ds:schemaRef ds:uri="http://purl.org/dc/elements/1.1/"/>
-    <ds:schemaRef ds:uri="http://schemas.microsoft.com/office/infopath/2007/PartnerControls"/>
-    <ds:schemaRef ds:uri="http://schemas.openxmlformats.org/package/2006/metadata/core-properties"/>
-    <ds:schemaRef ds:uri="http://www.w3.org/XML/1998/namespace"/>
-  </ds:schemaRefs>
-</ds:datastoreItem>
-</file>
-
-<file path=customXml/itemProps3.xml><?xml version="1.0" encoding="utf-8"?>
 <ds:datastoreItem xmlns:ds="http://schemas.openxmlformats.org/officeDocument/2006/customXml" ds:itemID="{D76AEDE5-E9AF-4E9F-97C3-19B848D35AB4}">
   <ds:schemaRefs>
     <ds:schemaRef ds:uri="http://schemas.microsoft.com/office/2006/metadata/contentType"/>
@@ -22760,4 +22763,21 @@
     <ds:schemaRef ds:uri="http://schemas.microsoft.com/internal/obd"/>
   </ds:schemaRefs>
 </ds:datastoreItem>
+</file>
+
+<file path=customXml/itemProps3.xml><?xml version="1.0" encoding="utf-8"?>
+<ds:datastoreItem xmlns:ds="http://schemas.openxmlformats.org/officeDocument/2006/customXml" ds:itemID="{ADC43B05-D266-4257-98DE-FF9D8CEDAE76}">
+  <ds:schemaRefs>
+    <ds:schemaRef ds:uri="http://schemas.microsoft.com/office/2006/documentManagement/types"/>
+    <ds:schemaRef ds:uri="71af3243-3dd4-4a8d-8c0d-dd76da1f02a5"/>
+    <ds:schemaRef ds:uri="http://purl.org/dc/dcmitype/"/>
+    <ds:schemaRef ds:uri="16c05727-aa75-4e4a-9b5f-8a80a1165891"/>
+    <ds:schemaRef ds:uri="http://purl.org/dc/terms/"/>
+    <ds:schemaRef ds:uri="http://schemas.microsoft.com/office/2006/metadata/properties"/>
+    <ds:schemaRef ds:uri="http://purl.org/dc/elements/1.1/"/>
+    <ds:schemaRef ds:uri="http://schemas.microsoft.com/office/infopath/2007/PartnerControls"/>
+    <ds:schemaRef ds:uri="http://schemas.openxmlformats.org/package/2006/metadata/core-properties"/>
+    <ds:schemaRef ds:uri="http://www.w3.org/XML/1998/namespace"/>
+  </ds:schemaRefs>
+</ds:datastoreItem>
 </file>